--- a/文本相似度算法比较初步/文本相似度算法比较初步.pptx
+++ b/文本相似度算法比较初步/文本相似度算法比较初步.pptx
@@ -2969,867 +2969,1449 @@
           <a:chExt cx="0" cy="0"/>
         </a:xfrm>
       </p:grpSpPr>
-      <p:grpSp>
-        <p:nvGrpSpPr>
-          <p:cNvPr id="57" name="组合 56"/>
-          <p:cNvGrpSpPr/>
+      <p:sp>
+        <p:nvSpPr>
+          <p:cNvPr id="8" name="文本框 7"/>
+          <p:cNvSpPr txBox="1"/>
           <p:nvPr/>
-        </p:nvGrpSpPr>
-        <p:grpSpPr>
+        </p:nvSpPr>
+        <p:spPr>
           <a:xfrm>
-            <a:off x="3038622" y="703385"/>
-            <a:ext cx="4189829" cy="4303273"/>
-            <a:chOff x="3038622" y="703385"/>
-            <a:chExt cx="4189829" cy="4303273"/>
-          </a:xfrm>
-        </p:grpSpPr>
-        <p:grpSp>
-          <p:nvGrpSpPr>
-            <p:cNvPr id="45" name="组合 44"/>
-            <p:cNvGrpSpPr/>
-            <p:nvPr/>
-          </p:nvGrpSpPr>
-          <p:grpSpPr>
-            <a:xfrm>
-              <a:off x="3038622" y="703385"/>
-              <a:ext cx="4189829" cy="4303273"/>
-              <a:chOff x="3038622" y="703385"/>
-              <a:chExt cx="4189829" cy="4303273"/>
-            </a:xfrm>
-          </p:grpSpPr>
-          <p:sp>
-            <p:nvSpPr>
-              <p:cNvPr id="8" name="文本框 7"/>
-              <p:cNvSpPr txBox="1"/>
-              <p:nvPr/>
-            </p:nvSpPr>
-            <p:spPr>
-              <a:xfrm>
-                <a:off x="4707988" y="703385"/>
-                <a:ext cx="1388012" cy="369332"/>
-              </a:xfrm>
-              <a:prstGeom prst="rect">
-                <a:avLst/>
-              </a:prstGeom>
-              <a:noFill/>
-              <a:ln>
+            <a:off x="4569654" y="703385"/>
+            <a:ext cx="1388012" cy="369332"/>
+          </a:xfrm>
+          <a:prstGeom prst="rect">
+            <a:avLst/>
+          </a:prstGeom>
+          <a:noFill/>
+          <a:ln>
+            <a:solidFill>
+              <a:schemeClr val="tx1"/>
+            </a:solidFill>
+          </a:ln>
+        </p:spPr>
+        <p:txBody>
+          <a:bodyPr wrap="square" rtlCol="0">
+            <a:spAutoFit/>
+          </a:bodyPr>
+          <a:lstStyle/>
+          <a:p>
+            <a:r>
+              <a:rPr lang="zh-CN" altLang="en-US" dirty="0" smtClean="0"/>
+              <a:t>文本相似度</a:t>
+            </a:r>
+            <a:endParaRPr lang="zh-CN" altLang="en-US" dirty="0"/>
+          </a:p>
+        </p:txBody>
+      </p:sp>
+      <p:cxnSp>
+        <p:nvCxnSpPr>
+          <p:cNvPr id="10" name="肘形连接符 9"/>
+          <p:cNvCxnSpPr>
+            <a:stCxn id="8" idx="2"/>
+            <a:endCxn id="11" idx="0"/>
+          </p:cNvCxnSpPr>
+          <p:nvPr/>
+        </p:nvCxnSpPr>
+        <p:spPr>
+          <a:xfrm rot="16200000" flipH="1">
+            <a:off x="5376358" y="960018"/>
+            <a:ext cx="895328" cy="1120725"/>
+          </a:xfrm>
+          <a:prstGeom prst="bentConnector3">
+            <a:avLst>
+              <a:gd name="adj1" fmla="val 50000"/>
+            </a:avLst>
+          </a:prstGeom>
+          <a:ln>
+            <a:solidFill>
+              <a:schemeClr val="tx1"/>
+            </a:solidFill>
+            <a:tailEnd type="triangle"/>
+          </a:ln>
+        </p:spPr>
+        <p:style>
+          <a:lnRef idx="1">
+            <a:schemeClr val="accent1"/>
+          </a:lnRef>
+          <a:fillRef idx="0">
+            <a:schemeClr val="accent1"/>
+          </a:fillRef>
+          <a:effectRef idx="0">
+            <a:schemeClr val="accent1"/>
+          </a:effectRef>
+          <a:fontRef idx="minor">
+            <a:schemeClr val="tx1"/>
+          </a:fontRef>
+        </p:style>
+      </p:cxnSp>
+      <p:sp>
+        <p:nvSpPr>
+          <p:cNvPr id="11" name="文本框 10"/>
+          <p:cNvSpPr txBox="1"/>
+          <p:nvPr/>
+        </p:nvSpPr>
+        <p:spPr>
+          <a:xfrm>
+            <a:off x="5802920" y="1968045"/>
+            <a:ext cx="1162930" cy="369332"/>
+          </a:xfrm>
+          <a:prstGeom prst="rect">
+            <a:avLst/>
+          </a:prstGeom>
+          <a:noFill/>
+          <a:ln>
+            <a:solidFill>
+              <a:schemeClr val="tx1"/>
+            </a:solidFill>
+          </a:ln>
+        </p:spPr>
+        <p:txBody>
+          <a:bodyPr wrap="square" rtlCol="0">
+            <a:spAutoFit/>
+          </a:bodyPr>
+          <a:lstStyle/>
+          <a:p>
+            <a:r>
+              <a:rPr lang="en-US" altLang="zh-CN" dirty="0" err="1" smtClean="0">
                 <a:solidFill>
-                  <a:schemeClr val="tx1"/>
+                  <a:srgbClr val="FF0000"/>
                 </a:solidFill>
-              </a:ln>
-            </p:spPr>
-            <p:txBody>
-              <a:bodyPr wrap="square" rtlCol="0">
-                <a:spAutoFit/>
-              </a:bodyPr>
-              <a:lstStyle/>
-              <a:p>
-                <a:r>
-                  <a:rPr lang="zh-CN" altLang="en-US" dirty="0" smtClean="0"/>
-                  <a:t>文本相似度</a:t>
-                </a:r>
-                <a:endParaRPr lang="zh-CN" altLang="en-US" dirty="0"/>
-              </a:p>
-            </p:txBody>
-          </p:sp>
-          <p:cxnSp>
-            <p:nvCxnSpPr>
-              <p:cNvPr id="10" name="肘形连接符 9"/>
-              <p:cNvCxnSpPr>
-                <a:stCxn id="8" idx="2"/>
-                <a:endCxn id="11" idx="0"/>
-              </p:cNvCxnSpPr>
-              <p:nvPr/>
-            </p:nvCxnSpPr>
-            <p:spPr>
-              <a:xfrm rot="16200000" flipH="1">
-                <a:off x="5514692" y="960018"/>
-                <a:ext cx="895328" cy="1120725"/>
-              </a:xfrm>
-              <a:prstGeom prst="bentConnector3">
-                <a:avLst>
-                  <a:gd name="adj1" fmla="val 50000"/>
-                </a:avLst>
-              </a:prstGeom>
-              <a:ln>
+              </a:rPr>
+              <a:t>Simhash</a:t>
+            </a:r>
+            <a:endParaRPr lang="zh-CN" altLang="en-US" dirty="0">
+              <a:solidFill>
+                <a:srgbClr val="FF0000"/>
+              </a:solidFill>
+            </a:endParaRPr>
+          </a:p>
+        </p:txBody>
+      </p:sp>
+      <p:sp>
+        <p:nvSpPr>
+          <p:cNvPr id="14" name="文本框 13"/>
+          <p:cNvSpPr txBox="1"/>
+          <p:nvPr/>
+        </p:nvSpPr>
+        <p:spPr>
+          <a:xfrm>
+            <a:off x="3257839" y="1955181"/>
+            <a:ext cx="1657639" cy="369332"/>
+          </a:xfrm>
+          <a:prstGeom prst="rect">
+            <a:avLst/>
+          </a:prstGeom>
+          <a:noFill/>
+          <a:ln>
+            <a:solidFill>
+              <a:schemeClr val="tx1"/>
+            </a:solidFill>
+          </a:ln>
+        </p:spPr>
+        <p:txBody>
+          <a:bodyPr wrap="square" rtlCol="0">
+            <a:spAutoFit/>
+          </a:bodyPr>
+          <a:lstStyle/>
+          <a:p>
+            <a:r>
+              <a:rPr lang="zh-CN" altLang="en-US" dirty="0" smtClean="0"/>
+              <a:t>统计文本</a:t>
+            </a:r>
+            <a:r>
+              <a:rPr lang="zh-CN" altLang="en-US" dirty="0" smtClean="0"/>
+              <a:t>建模</a:t>
+            </a:r>
+            <a:endParaRPr lang="zh-CN" altLang="en-US" dirty="0">
+              <a:solidFill>
+                <a:srgbClr val="FF0000"/>
+              </a:solidFill>
+            </a:endParaRPr>
+          </a:p>
+        </p:txBody>
+      </p:sp>
+      <p:cxnSp>
+        <p:nvCxnSpPr>
+          <p:cNvPr id="16" name="肘形连接符 15"/>
+          <p:cNvCxnSpPr>
+            <a:stCxn id="8" idx="2"/>
+            <a:endCxn id="14" idx="0"/>
+          </p:cNvCxnSpPr>
+          <p:nvPr/>
+        </p:nvCxnSpPr>
+        <p:spPr>
+          <a:xfrm rot="5400000">
+            <a:off x="4233928" y="925449"/>
+            <a:ext cx="882464" cy="1177001"/>
+          </a:xfrm>
+          <a:prstGeom prst="bentConnector3">
+            <a:avLst/>
+          </a:prstGeom>
+          <a:ln>
+            <a:solidFill>
+              <a:schemeClr val="tx1"/>
+            </a:solidFill>
+            <a:tailEnd type="triangle"/>
+          </a:ln>
+        </p:spPr>
+        <p:style>
+          <a:lnRef idx="1">
+            <a:schemeClr val="accent1"/>
+          </a:lnRef>
+          <a:fillRef idx="0">
+            <a:schemeClr val="accent1"/>
+          </a:fillRef>
+          <a:effectRef idx="0">
+            <a:schemeClr val="accent1"/>
+          </a:effectRef>
+          <a:fontRef idx="minor">
+            <a:schemeClr val="tx1"/>
+          </a:fontRef>
+        </p:style>
+      </p:cxnSp>
+      <p:sp>
+        <p:nvSpPr>
+          <p:cNvPr id="19" name="文本框 18"/>
+          <p:cNvSpPr txBox="1"/>
+          <p:nvPr/>
+        </p:nvSpPr>
+        <p:spPr>
+          <a:xfrm>
+            <a:off x="6028002" y="2997460"/>
+            <a:ext cx="1041009" cy="369332"/>
+          </a:xfrm>
+          <a:prstGeom prst="rect">
+            <a:avLst/>
+          </a:prstGeom>
+          <a:noFill/>
+          <a:ln>
+            <a:solidFill>
+              <a:schemeClr val="tx1"/>
+            </a:solidFill>
+          </a:ln>
+        </p:spPr>
+        <p:txBody>
+          <a:bodyPr wrap="square" rtlCol="0">
+            <a:spAutoFit/>
+          </a:bodyPr>
+          <a:lstStyle/>
+          <a:p>
+            <a:r>
+              <a:rPr lang="en-US" altLang="zh-CN" dirty="0" smtClean="0">
                 <a:solidFill>
-                  <a:schemeClr val="tx1"/>
+                  <a:srgbClr val="FF0000"/>
                 </a:solidFill>
-                <a:tailEnd type="triangle"/>
-              </a:ln>
-            </p:spPr>
-            <p:style>
-              <a:lnRef idx="1">
-                <a:schemeClr val="accent1"/>
-              </a:lnRef>
-              <a:fillRef idx="0">
-                <a:schemeClr val="accent1"/>
-              </a:fillRef>
-              <a:effectRef idx="0">
-                <a:schemeClr val="accent1"/>
-              </a:effectRef>
-              <a:fontRef idx="minor">
+              </a:rPr>
+              <a:t>LSA/LSI</a:t>
+            </a:r>
+            <a:endParaRPr lang="zh-CN" altLang="en-US" dirty="0">
+              <a:solidFill>
+                <a:srgbClr val="FF0000"/>
+              </a:solidFill>
+            </a:endParaRPr>
+          </a:p>
+        </p:txBody>
+      </p:sp>
+      <p:sp>
+        <p:nvSpPr>
+          <p:cNvPr id="20" name="文本框 19"/>
+          <p:cNvSpPr txBox="1"/>
+          <p:nvPr/>
+        </p:nvSpPr>
+        <p:spPr>
+          <a:xfrm>
+            <a:off x="6201502" y="4016362"/>
+            <a:ext cx="694007" cy="369332"/>
+          </a:xfrm>
+          <a:prstGeom prst="rect">
+            <a:avLst/>
+          </a:prstGeom>
+          <a:noFill/>
+          <a:ln>
+            <a:solidFill>
+              <a:schemeClr val="tx1"/>
+            </a:solidFill>
+          </a:ln>
+        </p:spPr>
+        <p:txBody>
+          <a:bodyPr wrap="square" rtlCol="0">
+            <a:spAutoFit/>
+          </a:bodyPr>
+          <a:lstStyle/>
+          <a:p>
+            <a:r>
+              <a:rPr lang="en-US" altLang="zh-CN" dirty="0" smtClean="0"/>
+              <a:t>PLSA</a:t>
+            </a:r>
+            <a:endParaRPr lang="zh-CN" altLang="en-US" dirty="0"/>
+          </a:p>
+        </p:txBody>
+      </p:sp>
+      <p:sp>
+        <p:nvSpPr>
+          <p:cNvPr id="21" name="文本框 20"/>
+          <p:cNvSpPr txBox="1"/>
+          <p:nvPr/>
+        </p:nvSpPr>
+        <p:spPr>
+          <a:xfrm>
+            <a:off x="6201502" y="4899279"/>
+            <a:ext cx="694007" cy="369332"/>
+          </a:xfrm>
+          <a:prstGeom prst="rect">
+            <a:avLst/>
+          </a:prstGeom>
+          <a:noFill/>
+          <a:ln>
+            <a:solidFill>
+              <a:schemeClr val="tx1"/>
+            </a:solidFill>
+          </a:ln>
+        </p:spPr>
+        <p:txBody>
+          <a:bodyPr wrap="square" rtlCol="0">
+            <a:spAutoFit/>
+          </a:bodyPr>
+          <a:lstStyle/>
+          <a:p>
+            <a:r>
+              <a:rPr lang="en-US" altLang="zh-CN" dirty="0" smtClean="0">
+                <a:solidFill>
+                  <a:srgbClr val="FF0000"/>
+                </a:solidFill>
+              </a:rPr>
+              <a:t>LDA</a:t>
+            </a:r>
+            <a:endParaRPr lang="zh-CN" altLang="en-US" dirty="0">
+              <a:solidFill>
+                <a:srgbClr val="FF0000"/>
+              </a:solidFill>
+            </a:endParaRPr>
+          </a:p>
+        </p:txBody>
+      </p:sp>
+      <p:cxnSp>
+        <p:nvCxnSpPr>
+          <p:cNvPr id="30" name="直接箭头连接符 29"/>
+          <p:cNvCxnSpPr>
+            <a:stCxn id="19" idx="2"/>
+            <a:endCxn id="20" idx="0"/>
+          </p:cNvCxnSpPr>
+          <p:nvPr/>
+        </p:nvCxnSpPr>
+        <p:spPr>
+          <a:xfrm flipH="1">
+            <a:off x="6548506" y="3366792"/>
+            <a:ext cx="1" cy="649570"/>
+          </a:xfrm>
+          <a:prstGeom prst="straightConnector1">
+            <a:avLst/>
+          </a:prstGeom>
+          <a:ln>
+            <a:solidFill>
+              <a:schemeClr val="tx1"/>
+            </a:solidFill>
+            <a:tailEnd type="triangle"/>
+          </a:ln>
+        </p:spPr>
+        <p:style>
+          <a:lnRef idx="1">
+            <a:schemeClr val="accent1"/>
+          </a:lnRef>
+          <a:fillRef idx="0">
+            <a:schemeClr val="accent1"/>
+          </a:fillRef>
+          <a:effectRef idx="0">
+            <a:schemeClr val="accent1"/>
+          </a:effectRef>
+          <a:fontRef idx="minor">
+            <a:schemeClr val="tx1"/>
+          </a:fontRef>
+        </p:style>
+      </p:cxnSp>
+      <p:cxnSp>
+        <p:nvCxnSpPr>
+          <p:cNvPr id="32" name="直接箭头连接符 31"/>
+          <p:cNvCxnSpPr>
+            <a:stCxn id="20" idx="2"/>
+            <a:endCxn id="21" idx="0"/>
+          </p:cNvCxnSpPr>
+          <p:nvPr/>
+        </p:nvCxnSpPr>
+        <p:spPr>
+          <a:xfrm>
+            <a:off x="6548506" y="4385694"/>
+            <a:ext cx="0" cy="513585"/>
+          </a:xfrm>
+          <a:prstGeom prst="straightConnector1">
+            <a:avLst/>
+          </a:prstGeom>
+          <a:ln>
+            <a:solidFill>
+              <a:schemeClr val="tx1"/>
+            </a:solidFill>
+            <a:tailEnd type="triangle"/>
+          </a:ln>
+        </p:spPr>
+        <p:style>
+          <a:lnRef idx="1">
+            <a:schemeClr val="accent1"/>
+          </a:lnRef>
+          <a:fillRef idx="0">
+            <a:schemeClr val="accent1"/>
+          </a:fillRef>
+          <a:effectRef idx="0">
+            <a:schemeClr val="accent1"/>
+          </a:effectRef>
+          <a:fontRef idx="minor">
+            <a:schemeClr val="tx1"/>
+          </a:fontRef>
+        </p:style>
+      </p:cxnSp>
+      <p:sp>
+        <p:nvSpPr>
+          <p:cNvPr id="40" name="椭圆 39"/>
+          <p:cNvSpPr/>
+          <p:nvPr/>
+        </p:nvSpPr>
+        <p:spPr>
+          <a:xfrm>
+            <a:off x="5495777" y="1202891"/>
+            <a:ext cx="1594340" cy="393896"/>
+          </a:xfrm>
+          <a:prstGeom prst="ellipse">
+            <a:avLst/>
+          </a:prstGeom>
+          <a:noFill/>
+          <a:ln>
+            <a:noFill/>
+          </a:ln>
+        </p:spPr>
+        <p:style>
+          <a:lnRef idx="2">
+            <a:schemeClr val="accent3">
+              <a:shade val="50000"/>
+            </a:schemeClr>
+          </a:lnRef>
+          <a:fillRef idx="1">
+            <a:schemeClr val="accent3"/>
+          </a:fillRef>
+          <a:effectRef idx="0">
+            <a:schemeClr val="accent3"/>
+          </a:effectRef>
+          <a:fontRef idx="minor">
+            <a:schemeClr val="lt1"/>
+          </a:fontRef>
+        </p:style>
+        <p:txBody>
+          <a:bodyPr rtlCol="0" anchor="ctr"/>
+          <a:lstStyle/>
+          <a:p>
+            <a:pPr algn="ctr"/>
+            <a:r>
+              <a:rPr lang="zh-CN" altLang="en-US" dirty="0">
+                <a:solidFill>
+                  <a:schemeClr val="bg1">
+                    <a:lumMod val="50000"/>
+                  </a:schemeClr>
+                </a:solidFill>
+              </a:rPr>
+              <a:t>字面距离</a:t>
+            </a:r>
+            <a:r>
+              <a:rPr lang="en-US" altLang="zh-CN" dirty="0" smtClean="0">
+                <a:solidFill>
+                  <a:schemeClr val="bg1">
+                    <a:lumMod val="50000"/>
+                  </a:schemeClr>
+                </a:solidFill>
+              </a:rPr>
+              <a:t> </a:t>
+            </a:r>
+            <a:endParaRPr lang="zh-CN" altLang="en-US" dirty="0">
+              <a:solidFill>
+                <a:schemeClr val="bg1">
+                  <a:lumMod val="50000"/>
+                </a:schemeClr>
+              </a:solidFill>
+            </a:endParaRPr>
+          </a:p>
+        </p:txBody>
+      </p:sp>
+      <p:sp>
+        <p:nvSpPr>
+          <p:cNvPr id="41" name="椭圆 40"/>
+          <p:cNvSpPr/>
+          <p:nvPr/>
+        </p:nvSpPr>
+        <p:spPr>
+          <a:xfrm>
+            <a:off x="3311769" y="1202891"/>
+            <a:ext cx="1617784" cy="393896"/>
+          </a:xfrm>
+          <a:prstGeom prst="ellipse">
+            <a:avLst/>
+          </a:prstGeom>
+          <a:noFill/>
+          <a:ln>
+            <a:noFill/>
+          </a:ln>
+        </p:spPr>
+        <p:style>
+          <a:lnRef idx="2">
+            <a:schemeClr val="accent3">
+              <a:shade val="50000"/>
+            </a:schemeClr>
+          </a:lnRef>
+          <a:fillRef idx="1">
+            <a:schemeClr val="accent3"/>
+          </a:fillRef>
+          <a:effectRef idx="0">
+            <a:schemeClr val="accent3"/>
+          </a:effectRef>
+          <a:fontRef idx="minor">
+            <a:schemeClr val="lt1"/>
+          </a:fontRef>
+        </p:style>
+        <p:txBody>
+          <a:bodyPr rtlCol="0" anchor="ctr"/>
+          <a:lstStyle/>
+          <a:p>
+            <a:pPr algn="ctr"/>
+            <a:r>
+              <a:rPr lang="zh-CN" altLang="en-US" dirty="0" smtClean="0">
+                <a:solidFill>
+                  <a:schemeClr val="bg1">
+                    <a:lumMod val="50000"/>
+                  </a:schemeClr>
+                </a:solidFill>
+              </a:rPr>
+              <a:t>语义分析</a:t>
+            </a:r>
+            <a:r>
+              <a:rPr lang="en-US" altLang="zh-CN" dirty="0" smtClean="0">
+                <a:solidFill>
+                  <a:schemeClr val="bg1">
+                    <a:lumMod val="50000"/>
+                  </a:schemeClr>
+                </a:solidFill>
+              </a:rPr>
+              <a:t> </a:t>
+            </a:r>
+            <a:endParaRPr lang="zh-CN" altLang="en-US" dirty="0">
+              <a:solidFill>
+                <a:schemeClr val="bg1">
+                  <a:lumMod val="50000"/>
+                </a:schemeClr>
+              </a:solidFill>
+            </a:endParaRPr>
+          </a:p>
+        </p:txBody>
+      </p:sp>
+      <p:sp>
+        <p:nvSpPr>
+          <p:cNvPr id="42" name="椭圆 41"/>
+          <p:cNvSpPr/>
+          <p:nvPr/>
+        </p:nvSpPr>
+        <p:spPr>
+          <a:xfrm>
+            <a:off x="4532137" y="2646760"/>
+            <a:ext cx="1645920" cy="393896"/>
+          </a:xfrm>
+          <a:prstGeom prst="ellipse">
+            <a:avLst/>
+          </a:prstGeom>
+          <a:noFill/>
+          <a:ln>
+            <a:noFill/>
+          </a:ln>
+        </p:spPr>
+        <p:style>
+          <a:lnRef idx="2">
+            <a:schemeClr val="accent3">
+              <a:shade val="50000"/>
+            </a:schemeClr>
+          </a:lnRef>
+          <a:fillRef idx="1">
+            <a:schemeClr val="accent3"/>
+          </a:fillRef>
+          <a:effectRef idx="0">
+            <a:schemeClr val="accent3"/>
+          </a:effectRef>
+          <a:fontRef idx="minor">
+            <a:schemeClr val="lt1"/>
+          </a:fontRef>
+        </p:style>
+        <p:txBody>
+          <a:bodyPr rtlCol="0" anchor="ctr"/>
+          <a:lstStyle/>
+          <a:p>
+            <a:pPr algn="ctr"/>
+            <a:r>
+              <a:rPr lang="zh-CN" altLang="en-US" dirty="0" smtClean="0">
+                <a:solidFill>
+                  <a:schemeClr val="bg1">
+                    <a:lumMod val="50000"/>
+                  </a:schemeClr>
+                </a:solidFill>
+              </a:rPr>
+              <a:t>主题模型</a:t>
+            </a:r>
+            <a:r>
+              <a:rPr lang="en-US" altLang="zh-CN" dirty="0" smtClean="0">
+                <a:solidFill>
+                  <a:schemeClr val="bg1">
+                    <a:lumMod val="50000"/>
+                  </a:schemeClr>
+                </a:solidFill>
+              </a:rPr>
+              <a:t> </a:t>
+            </a:r>
+            <a:endParaRPr lang="zh-CN" altLang="en-US" dirty="0">
+              <a:solidFill>
+                <a:schemeClr val="bg1">
+                  <a:lumMod val="50000"/>
+                </a:schemeClr>
+              </a:solidFill>
+            </a:endParaRPr>
+          </a:p>
+        </p:txBody>
+      </p:sp>
+      <p:sp>
+        <p:nvSpPr>
+          <p:cNvPr id="43" name="椭圆 42"/>
+          <p:cNvSpPr/>
+          <p:nvPr/>
+        </p:nvSpPr>
+        <p:spPr>
+          <a:xfrm>
+            <a:off x="5350409" y="3529720"/>
+            <a:ext cx="1645920" cy="393896"/>
+          </a:xfrm>
+          <a:prstGeom prst="ellipse">
+            <a:avLst/>
+          </a:prstGeom>
+          <a:noFill/>
+          <a:ln>
+            <a:noFill/>
+          </a:ln>
+        </p:spPr>
+        <p:style>
+          <a:lnRef idx="2">
+            <a:schemeClr val="accent3">
+              <a:shade val="50000"/>
+            </a:schemeClr>
+          </a:lnRef>
+          <a:fillRef idx="1">
+            <a:schemeClr val="accent3"/>
+          </a:fillRef>
+          <a:effectRef idx="0">
+            <a:schemeClr val="accent3"/>
+          </a:effectRef>
+          <a:fontRef idx="minor">
+            <a:schemeClr val="lt1"/>
+          </a:fontRef>
+        </p:style>
+        <p:txBody>
+          <a:bodyPr rtlCol="0" anchor="ctr"/>
+          <a:lstStyle/>
+          <a:p>
+            <a:pPr algn="ctr"/>
+            <a:r>
+              <a:rPr lang="zh-CN" altLang="en-US" dirty="0" smtClean="0">
+                <a:solidFill>
+                  <a:schemeClr val="bg1">
+                    <a:lumMod val="50000"/>
+                  </a:schemeClr>
+                </a:solidFill>
+              </a:rPr>
+              <a:t>概率化</a:t>
+            </a:r>
+            <a:r>
+              <a:rPr lang="en-US" altLang="zh-CN" dirty="0" smtClean="0">
+                <a:solidFill>
+                  <a:schemeClr val="bg1">
+                    <a:lumMod val="50000"/>
+                  </a:schemeClr>
+                </a:solidFill>
+              </a:rPr>
+              <a:t> </a:t>
+            </a:r>
+            <a:endParaRPr lang="zh-CN" altLang="en-US" dirty="0">
+              <a:solidFill>
+                <a:schemeClr val="bg1">
+                  <a:lumMod val="50000"/>
+                </a:schemeClr>
+              </a:solidFill>
+            </a:endParaRPr>
+          </a:p>
+        </p:txBody>
+      </p:sp>
+      <p:sp>
+        <p:nvSpPr>
+          <p:cNvPr id="44" name="椭圆 43"/>
+          <p:cNvSpPr/>
+          <p:nvPr/>
+        </p:nvSpPr>
+        <p:spPr>
+          <a:xfrm>
+            <a:off x="5350409" y="4473385"/>
+            <a:ext cx="1645920" cy="393896"/>
+          </a:xfrm>
+          <a:prstGeom prst="ellipse">
+            <a:avLst/>
+          </a:prstGeom>
+          <a:noFill/>
+          <a:ln>
+            <a:noFill/>
+          </a:ln>
+        </p:spPr>
+        <p:style>
+          <a:lnRef idx="2">
+            <a:schemeClr val="accent3">
+              <a:shade val="50000"/>
+            </a:schemeClr>
+          </a:lnRef>
+          <a:fillRef idx="1">
+            <a:schemeClr val="accent3"/>
+          </a:fillRef>
+          <a:effectRef idx="0">
+            <a:schemeClr val="accent3"/>
+          </a:effectRef>
+          <a:fontRef idx="minor">
+            <a:schemeClr val="lt1"/>
+          </a:fontRef>
+        </p:style>
+        <p:txBody>
+          <a:bodyPr rtlCol="0" anchor="ctr"/>
+          <a:lstStyle/>
+          <a:p>
+            <a:pPr algn="ctr"/>
+            <a:r>
+              <a:rPr lang="zh-CN" altLang="en-US" dirty="0">
+                <a:solidFill>
+                  <a:schemeClr val="bg1">
+                    <a:lumMod val="50000"/>
+                  </a:schemeClr>
+                </a:solidFill>
+              </a:rPr>
+              <a:t>贝叶斯</a:t>
+            </a:r>
+            <a:r>
+              <a:rPr lang="en-US" altLang="zh-CN" dirty="0" smtClean="0">
+                <a:solidFill>
+                  <a:schemeClr val="bg1">
+                    <a:lumMod val="50000"/>
+                  </a:schemeClr>
+                </a:solidFill>
+              </a:rPr>
+              <a:t> </a:t>
+            </a:r>
+            <a:endParaRPr lang="zh-CN" altLang="en-US" dirty="0">
+              <a:solidFill>
+                <a:schemeClr val="bg1">
+                  <a:lumMod val="50000"/>
+                </a:schemeClr>
+              </a:solidFill>
+            </a:endParaRPr>
+          </a:p>
+        </p:txBody>
+      </p:sp>
+      <p:sp>
+        <p:nvSpPr>
+          <p:cNvPr id="56" name="文本框 55"/>
+          <p:cNvSpPr txBox="1"/>
+          <p:nvPr/>
+        </p:nvSpPr>
+        <p:spPr>
+          <a:xfrm>
+            <a:off x="9641058" y="2843708"/>
+            <a:ext cx="1148863" cy="369332"/>
+          </a:xfrm>
+          <a:prstGeom prst="rect">
+            <a:avLst/>
+          </a:prstGeom>
+          <a:noFill/>
+        </p:spPr>
+        <p:txBody>
+          <a:bodyPr wrap="square" rtlCol="0">
+            <a:spAutoFit/>
+          </a:bodyPr>
+          <a:lstStyle/>
+          <a:p>
+            <a:r>
+              <a:rPr lang="zh-CN" altLang="en-US" dirty="0" smtClean="0"/>
+              <a:t>关系分析</a:t>
+            </a:r>
+            <a:endParaRPr lang="zh-CN" altLang="en-US" dirty="0"/>
+          </a:p>
+        </p:txBody>
+      </p:sp>
+      <p:sp>
+        <p:nvSpPr>
+          <p:cNvPr id="31" name="文本框 30"/>
+          <p:cNvSpPr txBox="1"/>
+          <p:nvPr/>
+        </p:nvSpPr>
+        <p:spPr>
+          <a:xfrm>
+            <a:off x="3213880" y="5206783"/>
+            <a:ext cx="1041009" cy="369332"/>
+          </a:xfrm>
+          <a:prstGeom prst="rect">
+            <a:avLst/>
+          </a:prstGeom>
+          <a:noFill/>
+          <a:ln>
+            <a:solidFill>
+              <a:schemeClr val="tx1"/>
+            </a:solidFill>
+          </a:ln>
+        </p:spPr>
+        <p:txBody>
+          <a:bodyPr wrap="square" rtlCol="0">
+            <a:spAutoFit/>
+          </a:bodyPr>
+          <a:lstStyle/>
+          <a:p>
+            <a:r>
+              <a:rPr lang="en-US" altLang="zh-CN" dirty="0" smtClean="0">
+                <a:solidFill>
+                  <a:srgbClr val="FF0000"/>
+                </a:solidFill>
+              </a:rPr>
+              <a:t>TF-IDF</a:t>
+            </a:r>
+            <a:endParaRPr lang="zh-CN" altLang="en-US" dirty="0">
+              <a:solidFill>
+                <a:srgbClr val="FF0000"/>
+              </a:solidFill>
+            </a:endParaRPr>
+          </a:p>
+        </p:txBody>
+      </p:sp>
+      <p:sp>
+        <p:nvSpPr>
+          <p:cNvPr id="37" name="文本框 36"/>
+          <p:cNvSpPr txBox="1"/>
+          <p:nvPr/>
+        </p:nvSpPr>
+        <p:spPr>
+          <a:xfrm>
+            <a:off x="2031602" y="2997461"/>
+            <a:ext cx="916745" cy="369332"/>
+          </a:xfrm>
+          <a:prstGeom prst="rect">
+            <a:avLst/>
+          </a:prstGeom>
+          <a:noFill/>
+          <a:ln>
+            <a:noFill/>
+          </a:ln>
+        </p:spPr>
+        <p:txBody>
+          <a:bodyPr wrap="square" rtlCol="0">
+            <a:spAutoFit/>
+          </a:bodyPr>
+          <a:lstStyle/>
+          <a:p>
+            <a:r>
+              <a:rPr lang="zh-CN" altLang="en-US" dirty="0">
+                <a:solidFill>
+                  <a:schemeClr val="bg1">
+                    <a:lumMod val="50000"/>
+                  </a:schemeClr>
+                </a:solidFill>
+              </a:rPr>
+              <a:t>词向量</a:t>
+            </a:r>
+            <a:endParaRPr lang="zh-CN" altLang="en-US" dirty="0">
+              <a:solidFill>
+                <a:schemeClr val="bg1">
+                  <a:lumMod val="50000"/>
+                </a:schemeClr>
+              </a:solidFill>
+            </a:endParaRPr>
+          </a:p>
+        </p:txBody>
+      </p:sp>
+      <p:sp>
+        <p:nvSpPr>
+          <p:cNvPr id="38" name="文本框 37"/>
+          <p:cNvSpPr txBox="1"/>
+          <p:nvPr/>
+        </p:nvSpPr>
+        <p:spPr>
+          <a:xfrm>
+            <a:off x="244414" y="3910718"/>
+            <a:ext cx="1798911" cy="923330"/>
+          </a:xfrm>
+          <a:prstGeom prst="rect">
+            <a:avLst/>
+          </a:prstGeom>
+          <a:noFill/>
+          <a:ln>
+            <a:solidFill>
+              <a:schemeClr val="tx1"/>
+            </a:solidFill>
+          </a:ln>
+        </p:spPr>
+        <p:txBody>
+          <a:bodyPr wrap="square" rtlCol="0">
+            <a:spAutoFit/>
+          </a:bodyPr>
+          <a:lstStyle/>
+          <a:p>
+            <a:r>
+              <a:rPr lang="en-US" altLang="zh-CN" b="1" dirty="0"/>
+              <a:t>Distributed representation</a:t>
+            </a:r>
+          </a:p>
+          <a:p>
+            <a:endParaRPr lang="zh-CN" altLang="en-US" dirty="0">
+              <a:solidFill>
+                <a:srgbClr val="FF0000"/>
+              </a:solidFill>
+            </a:endParaRPr>
+          </a:p>
+        </p:txBody>
+      </p:sp>
+      <p:sp>
+        <p:nvSpPr>
+          <p:cNvPr id="39" name="文本框 38"/>
+          <p:cNvSpPr txBox="1"/>
+          <p:nvPr/>
+        </p:nvSpPr>
+        <p:spPr>
+          <a:xfrm>
+            <a:off x="2836980" y="3917456"/>
+            <a:ext cx="1794810" cy="923330"/>
+          </a:xfrm>
+          <a:prstGeom prst="rect">
+            <a:avLst/>
+          </a:prstGeom>
+          <a:noFill/>
+          <a:ln>
+            <a:solidFill>
+              <a:schemeClr val="tx1"/>
+            </a:solidFill>
+          </a:ln>
+        </p:spPr>
+        <p:txBody>
+          <a:bodyPr wrap="square" rtlCol="0">
+            <a:spAutoFit/>
+          </a:bodyPr>
+          <a:lstStyle/>
+          <a:p>
+            <a:r>
+              <a:rPr lang="en-US" altLang="zh-CN" b="1" dirty="0"/>
+              <a:t>One-hot Representation</a:t>
+            </a:r>
+          </a:p>
+          <a:p>
+            <a:endParaRPr lang="zh-CN" altLang="en-US" dirty="0">
+              <a:solidFill>
+                <a:srgbClr val="FF0000"/>
+              </a:solidFill>
+            </a:endParaRPr>
+          </a:p>
+        </p:txBody>
+      </p:sp>
+      <p:cxnSp>
+        <p:nvCxnSpPr>
+          <p:cNvPr id="17" name="肘形连接符 16"/>
+          <p:cNvCxnSpPr>
+            <a:stCxn id="14" idx="2"/>
+            <a:endCxn id="19" idx="0"/>
+          </p:cNvCxnSpPr>
+          <p:nvPr/>
+        </p:nvCxnSpPr>
+        <p:spPr>
+          <a:xfrm rot="16200000" flipH="1">
+            <a:off x="4981110" y="1430062"/>
+            <a:ext cx="672947" cy="2461848"/>
+          </a:xfrm>
+          <a:prstGeom prst="bentConnector3">
+            <a:avLst/>
+          </a:prstGeom>
+          <a:ln>
+            <a:solidFill>
+              <a:schemeClr val="tx1"/>
+            </a:solidFill>
+            <a:tailEnd type="triangle"/>
+          </a:ln>
+        </p:spPr>
+        <p:style>
+          <a:lnRef idx="1">
+            <a:schemeClr val="accent1"/>
+          </a:lnRef>
+          <a:fillRef idx="0">
+            <a:schemeClr val="accent1"/>
+          </a:fillRef>
+          <a:effectRef idx="0">
+            <a:schemeClr val="accent1"/>
+          </a:effectRef>
+          <a:fontRef idx="minor">
+            <a:schemeClr val="tx1"/>
+          </a:fontRef>
+        </p:style>
+      </p:cxnSp>
+      <p:cxnSp>
+        <p:nvCxnSpPr>
+          <p:cNvPr id="24" name="肘形连接符 23"/>
+          <p:cNvCxnSpPr>
+            <a:stCxn id="14" idx="2"/>
+            <a:endCxn id="37" idx="0"/>
+          </p:cNvCxnSpPr>
+          <p:nvPr/>
+        </p:nvCxnSpPr>
+        <p:spPr>
+          <a:xfrm rot="5400000">
+            <a:off x="2951843" y="1862645"/>
+            <a:ext cx="672948" cy="1596684"/>
+          </a:xfrm>
+          <a:prstGeom prst="bentConnector3">
+            <a:avLst/>
+          </a:prstGeom>
+          <a:ln>
+            <a:solidFill>
+              <a:schemeClr val="tx1"/>
+            </a:solidFill>
+            <a:tailEnd type="triangle"/>
+          </a:ln>
+        </p:spPr>
+        <p:style>
+          <a:lnRef idx="1">
+            <a:schemeClr val="accent1"/>
+          </a:lnRef>
+          <a:fillRef idx="0">
+            <a:schemeClr val="accent1"/>
+          </a:fillRef>
+          <a:effectRef idx="0">
+            <a:schemeClr val="accent1"/>
+          </a:effectRef>
+          <a:fontRef idx="minor">
+            <a:schemeClr val="tx1"/>
+          </a:fontRef>
+        </p:style>
+      </p:cxnSp>
+      <p:cxnSp>
+        <p:nvCxnSpPr>
+          <p:cNvPr id="52" name="肘形连接符 51"/>
+          <p:cNvCxnSpPr>
+            <a:stCxn id="37" idx="2"/>
+            <a:endCxn id="39" idx="0"/>
+          </p:cNvCxnSpPr>
+          <p:nvPr/>
+        </p:nvCxnSpPr>
+        <p:spPr>
+          <a:xfrm rot="16200000" flipH="1">
+            <a:off x="2836849" y="3019919"/>
+            <a:ext cx="550663" cy="1244410"/>
+          </a:xfrm>
+          <a:prstGeom prst="bentConnector3">
+            <a:avLst/>
+          </a:prstGeom>
+          <a:ln>
+            <a:solidFill>
+              <a:schemeClr val="tx1"/>
+            </a:solidFill>
+            <a:tailEnd type="triangle"/>
+          </a:ln>
+        </p:spPr>
+        <p:style>
+          <a:lnRef idx="1">
+            <a:schemeClr val="accent1"/>
+          </a:lnRef>
+          <a:fillRef idx="0">
+            <a:schemeClr val="accent1"/>
+          </a:fillRef>
+          <a:effectRef idx="0">
+            <a:schemeClr val="accent1"/>
+          </a:effectRef>
+          <a:fontRef idx="minor">
+            <a:schemeClr val="tx1"/>
+          </a:fontRef>
+        </p:style>
+      </p:cxnSp>
+      <p:cxnSp>
+        <p:nvCxnSpPr>
+          <p:cNvPr id="54" name="肘形连接符 53"/>
+          <p:cNvCxnSpPr>
+            <a:stCxn id="37" idx="2"/>
+            <a:endCxn id="38" idx="0"/>
+          </p:cNvCxnSpPr>
+          <p:nvPr/>
+        </p:nvCxnSpPr>
+        <p:spPr>
+          <a:xfrm rot="5400000">
+            <a:off x="1544961" y="2965703"/>
+            <a:ext cx="543925" cy="1346105"/>
+          </a:xfrm>
+          <a:prstGeom prst="bentConnector3">
+            <a:avLst/>
+          </a:prstGeom>
+          <a:ln>
+            <a:solidFill>
+              <a:schemeClr val="tx1"/>
+            </a:solidFill>
+            <a:tailEnd type="triangle"/>
+          </a:ln>
+        </p:spPr>
+        <p:style>
+          <a:lnRef idx="1">
+            <a:schemeClr val="accent1"/>
+          </a:lnRef>
+          <a:fillRef idx="0">
+            <a:schemeClr val="accent1"/>
+          </a:fillRef>
+          <a:effectRef idx="0">
+            <a:schemeClr val="accent1"/>
+          </a:effectRef>
+          <a:fontRef idx="minor">
+            <a:schemeClr val="tx1"/>
+          </a:fontRef>
+        </p:style>
+      </p:cxnSp>
+      <p:cxnSp>
+        <p:nvCxnSpPr>
+          <p:cNvPr id="68" name="直接箭头连接符 67"/>
+          <p:cNvCxnSpPr>
+            <a:stCxn id="39" idx="2"/>
+            <a:endCxn id="31" idx="0"/>
+          </p:cNvCxnSpPr>
+          <p:nvPr/>
+        </p:nvCxnSpPr>
+        <p:spPr>
+          <a:xfrm>
+            <a:off x="3734385" y="4840786"/>
+            <a:ext cx="0" cy="365997"/>
+          </a:xfrm>
+          <a:prstGeom prst="straightConnector1">
+            <a:avLst/>
+          </a:prstGeom>
+          <a:ln>
+            <a:solidFill>
+              <a:schemeClr val="tx1"/>
+            </a:solidFill>
+            <a:tailEnd type="triangle"/>
+          </a:ln>
+        </p:spPr>
+        <p:style>
+          <a:lnRef idx="1">
+            <a:schemeClr val="accent1"/>
+          </a:lnRef>
+          <a:fillRef idx="0">
+            <a:schemeClr val="accent1"/>
+          </a:fillRef>
+          <a:effectRef idx="0">
+            <a:schemeClr val="accent1"/>
+          </a:effectRef>
+          <a:fontRef idx="minor">
+            <a:schemeClr val="tx1"/>
+          </a:fontRef>
+        </p:style>
+      </p:cxnSp>
+      <p:sp>
+        <p:nvSpPr>
+          <p:cNvPr id="88" name="右弧形箭头 87"/>
+          <p:cNvSpPr/>
+          <p:nvPr/>
+        </p:nvSpPr>
+        <p:spPr>
+          <a:xfrm rot="13485268">
+            <a:off x="4476232" y="2393984"/>
+            <a:ext cx="937115" cy="2885046"/>
+          </a:xfrm>
+          <a:prstGeom prst="curvedLeftArrow">
+            <a:avLst/>
+          </a:prstGeom>
+          <a:solidFill>
+            <a:schemeClr val="bg1"/>
+          </a:solidFill>
+          <a:ln>
+            <a:solidFill>
+              <a:schemeClr val="accent3">
+                <a:shade val="50000"/>
+              </a:schemeClr>
+            </a:solidFill>
+          </a:ln>
+        </p:spPr>
+        <p:style>
+          <a:lnRef idx="2">
+            <a:schemeClr val="accent3">
+              <a:shade val="50000"/>
+            </a:schemeClr>
+          </a:lnRef>
+          <a:fillRef idx="1">
+            <a:schemeClr val="accent3"/>
+          </a:fillRef>
+          <a:effectRef idx="0">
+            <a:schemeClr val="accent3"/>
+          </a:effectRef>
+          <a:fontRef idx="minor">
+            <a:schemeClr val="lt1"/>
+          </a:fontRef>
+        </p:style>
+        <p:txBody>
+          <a:bodyPr rtlCol="0" anchor="ctr"/>
+          <a:lstStyle/>
+          <a:p>
+            <a:pPr algn="ctr"/>
+            <a:endParaRPr lang="zh-CN" altLang="en-US">
+              <a:solidFill>
                 <a:schemeClr val="tx1"/>
-              </a:fontRef>
-            </p:style>
-          </p:cxnSp>
-          <p:sp>
-            <p:nvSpPr>
-              <p:cNvPr id="11" name="文本框 10"/>
-              <p:cNvSpPr txBox="1"/>
-              <p:nvPr/>
-            </p:nvSpPr>
-            <p:spPr>
-              <a:xfrm>
-                <a:off x="5941254" y="1968045"/>
-                <a:ext cx="1162930" cy="369332"/>
-              </a:xfrm>
-              <a:prstGeom prst="rect">
-                <a:avLst/>
-              </a:prstGeom>
-              <a:noFill/>
-              <a:ln>
+              </a:solidFill>
+            </a:endParaRPr>
+          </a:p>
+        </p:txBody>
+      </p:sp>
+      <p:sp>
+        <p:nvSpPr>
+          <p:cNvPr id="89" name="文本框 88"/>
+          <p:cNvSpPr txBox="1"/>
+          <p:nvPr/>
+        </p:nvSpPr>
+        <p:spPr>
+          <a:xfrm>
+            <a:off x="623364" y="5581424"/>
+            <a:ext cx="1041009" cy="369332"/>
+          </a:xfrm>
+          <a:prstGeom prst="rect">
+            <a:avLst/>
+          </a:prstGeom>
+          <a:noFill/>
+          <a:ln>
+            <a:solidFill>
+              <a:schemeClr val="tx1"/>
+            </a:solidFill>
+          </a:ln>
+        </p:spPr>
+        <p:txBody>
+          <a:bodyPr wrap="square" rtlCol="0">
+            <a:spAutoFit/>
+          </a:bodyPr>
+          <a:lstStyle/>
+          <a:p>
+            <a:r>
+              <a:rPr lang="en-US" altLang="zh-CN" dirty="0" smtClean="0">
                 <a:solidFill>
-                  <a:schemeClr val="tx1"/>
+                  <a:srgbClr val="FF0000"/>
                 </a:solidFill>
-              </a:ln>
-            </p:spPr>
-            <p:txBody>
-              <a:bodyPr wrap="square" rtlCol="0">
-                <a:spAutoFit/>
-              </a:bodyPr>
-              <a:lstStyle/>
-              <a:p>
-                <a:r>
-                  <a:rPr lang="en-US" altLang="zh-CN" dirty="0" err="1" smtClean="0">
-                    <a:solidFill>
-                      <a:srgbClr val="FF0000"/>
-                    </a:solidFill>
-                  </a:rPr>
-                  <a:t>Simhash</a:t>
-                </a:r>
-                <a:endParaRPr lang="zh-CN" altLang="en-US" dirty="0">
-                  <a:solidFill>
-                    <a:srgbClr val="FF0000"/>
-                  </a:solidFill>
-                </a:endParaRPr>
-              </a:p>
-            </p:txBody>
-          </p:sp>
-          <p:sp>
-            <p:nvSpPr>
-              <p:cNvPr id="14" name="文本框 13"/>
-              <p:cNvSpPr txBox="1"/>
-              <p:nvPr/>
-            </p:nvSpPr>
-            <p:spPr>
-              <a:xfrm>
-                <a:off x="3038622" y="1968045"/>
-                <a:ext cx="2363371" cy="369332"/>
-              </a:xfrm>
-              <a:prstGeom prst="rect">
-                <a:avLst/>
-              </a:prstGeom>
-              <a:noFill/>
-              <a:ln>
+              </a:rPr>
+              <a:t>Doc2vec</a:t>
+            </a:r>
+            <a:endParaRPr lang="zh-CN" altLang="en-US" dirty="0">
+              <a:solidFill>
+                <a:srgbClr val="FF0000"/>
+              </a:solidFill>
+            </a:endParaRPr>
+          </a:p>
+        </p:txBody>
+      </p:sp>
+      <p:cxnSp>
+        <p:nvCxnSpPr>
+          <p:cNvPr id="91" name="直接箭头连接符 90"/>
+          <p:cNvCxnSpPr>
+            <a:stCxn id="38" idx="2"/>
+            <a:endCxn id="89" idx="0"/>
+          </p:cNvCxnSpPr>
+          <p:nvPr/>
+        </p:nvCxnSpPr>
+        <p:spPr>
+          <a:xfrm flipH="1">
+            <a:off x="1143869" y="4834048"/>
+            <a:ext cx="1" cy="747376"/>
+          </a:xfrm>
+          <a:prstGeom prst="straightConnector1">
+            <a:avLst/>
+          </a:prstGeom>
+          <a:ln>
+            <a:solidFill>
+              <a:schemeClr val="tx1"/>
+            </a:solidFill>
+            <a:tailEnd type="triangle"/>
+          </a:ln>
+        </p:spPr>
+        <p:style>
+          <a:lnRef idx="1">
+            <a:schemeClr val="accent1"/>
+          </a:lnRef>
+          <a:fillRef idx="0">
+            <a:schemeClr val="accent1"/>
+          </a:fillRef>
+          <a:effectRef idx="0">
+            <a:schemeClr val="accent1"/>
+          </a:effectRef>
+          <a:fontRef idx="minor">
+            <a:schemeClr val="tx1"/>
+          </a:fontRef>
+        </p:style>
+      </p:cxnSp>
+      <p:sp>
+        <p:nvSpPr>
+          <p:cNvPr id="94" name="椭圆 93"/>
+          <p:cNvSpPr/>
+          <p:nvPr/>
+        </p:nvSpPr>
+        <p:spPr>
+          <a:xfrm>
+            <a:off x="729535" y="5071663"/>
+            <a:ext cx="2375456" cy="393896"/>
+          </a:xfrm>
+          <a:prstGeom prst="ellipse">
+            <a:avLst/>
+          </a:prstGeom>
+          <a:noFill/>
+          <a:ln>
+            <a:noFill/>
+          </a:ln>
+        </p:spPr>
+        <p:style>
+          <a:lnRef idx="2">
+            <a:schemeClr val="accent3">
+              <a:shade val="50000"/>
+            </a:schemeClr>
+          </a:lnRef>
+          <a:fillRef idx="1">
+            <a:schemeClr val="accent3"/>
+          </a:fillRef>
+          <a:effectRef idx="0">
+            <a:schemeClr val="accent3"/>
+          </a:effectRef>
+          <a:fontRef idx="minor">
+            <a:schemeClr val="lt1"/>
+          </a:fontRef>
+        </p:style>
+        <p:txBody>
+          <a:bodyPr rtlCol="0" anchor="ctr"/>
+          <a:lstStyle/>
+          <a:p>
+            <a:pPr algn="ctr"/>
+            <a:r>
+              <a:rPr lang="zh-CN" altLang="en-US" dirty="0" smtClean="0">
                 <a:solidFill>
-                  <a:schemeClr val="tx1"/>
+                  <a:schemeClr val="bg1">
+                    <a:lumMod val="50000"/>
+                  </a:schemeClr>
                 </a:solidFill>
-              </a:ln>
-            </p:spPr>
-            <p:txBody>
-              <a:bodyPr wrap="square" rtlCol="0">
-                <a:spAutoFit/>
-              </a:bodyPr>
-              <a:lstStyle/>
-              <a:p>
-                <a:r>
-                  <a:rPr lang="zh-CN" altLang="en-US" dirty="0" smtClean="0"/>
-                  <a:t>统计文本建模</a:t>
-                </a:r>
-                <a:r>
-                  <a:rPr lang="en-US" altLang="zh-CN" dirty="0" smtClean="0">
-                    <a:solidFill>
-                      <a:srgbClr val="FF0000"/>
-                    </a:solidFill>
-                  </a:rPr>
-                  <a:t>TF-IDF</a:t>
-                </a:r>
-                <a:endParaRPr lang="zh-CN" altLang="en-US" dirty="0">
-                  <a:solidFill>
-                    <a:srgbClr val="FF0000"/>
-                  </a:solidFill>
-                </a:endParaRPr>
-              </a:p>
-            </p:txBody>
-          </p:sp>
-          <p:cxnSp>
-            <p:nvCxnSpPr>
-              <p:cNvPr id="16" name="肘形连接符 15"/>
-              <p:cNvCxnSpPr>
-                <a:stCxn id="8" idx="2"/>
-                <a:endCxn id="14" idx="0"/>
-              </p:cNvCxnSpPr>
-              <p:nvPr/>
-            </p:nvCxnSpPr>
-            <p:spPr>
-              <a:xfrm rot="5400000">
-                <a:off x="4363487" y="929538"/>
-                <a:ext cx="895328" cy="1181686"/>
-              </a:xfrm>
-              <a:prstGeom prst="bentConnector3">
-                <a:avLst/>
-              </a:prstGeom>
-              <a:ln>
+              </a:rPr>
+              <a:t>监督</a:t>
+            </a:r>
+            <a:r>
+              <a:rPr lang="en-US" altLang="zh-CN" dirty="0" smtClean="0">
                 <a:solidFill>
-                  <a:schemeClr val="tx1"/>
+                  <a:schemeClr val="bg1">
+                    <a:lumMod val="50000"/>
+                  </a:schemeClr>
                 </a:solidFill>
-                <a:tailEnd type="triangle"/>
-              </a:ln>
-            </p:spPr>
-            <p:style>
-              <a:lnRef idx="1">
-                <a:schemeClr val="accent1"/>
-              </a:lnRef>
-              <a:fillRef idx="0">
-                <a:schemeClr val="accent1"/>
-              </a:fillRef>
-              <a:effectRef idx="0">
-                <a:schemeClr val="accent1"/>
-              </a:effectRef>
-              <a:fontRef idx="minor">
-                <a:schemeClr val="tx1"/>
-              </a:fontRef>
-            </p:style>
-          </p:cxnSp>
-          <p:sp>
-            <p:nvSpPr>
-              <p:cNvPr id="19" name="文本框 18"/>
-              <p:cNvSpPr txBox="1"/>
-              <p:nvPr/>
-            </p:nvSpPr>
-            <p:spPr>
-              <a:xfrm>
-                <a:off x="3704489" y="2863373"/>
-                <a:ext cx="1041009" cy="369332"/>
-              </a:xfrm>
-              <a:prstGeom prst="rect">
-                <a:avLst/>
-              </a:prstGeom>
-              <a:noFill/>
-              <a:ln>
+              </a:rPr>
+              <a:t>/</a:t>
+            </a:r>
+            <a:r>
+              <a:rPr lang="zh-CN" altLang="en-US" dirty="0" smtClean="0">
                 <a:solidFill>
-                  <a:schemeClr val="tx1"/>
+                  <a:schemeClr val="bg1">
+                    <a:lumMod val="50000"/>
+                  </a:schemeClr>
                 </a:solidFill>
-              </a:ln>
-            </p:spPr>
-            <p:txBody>
-              <a:bodyPr wrap="square" rtlCol="0">
-                <a:spAutoFit/>
-              </a:bodyPr>
-              <a:lstStyle/>
-              <a:p>
-                <a:r>
-                  <a:rPr lang="en-US" altLang="zh-CN" dirty="0" smtClean="0">
-                    <a:solidFill>
-                      <a:srgbClr val="FF0000"/>
-                    </a:solidFill>
-                  </a:rPr>
-                  <a:t>LSA/LSI</a:t>
-                </a:r>
-                <a:endParaRPr lang="zh-CN" altLang="en-US" dirty="0">
-                  <a:solidFill>
-                    <a:srgbClr val="FF0000"/>
-                  </a:solidFill>
-                </a:endParaRPr>
-              </a:p>
-            </p:txBody>
-          </p:sp>
-          <p:sp>
-            <p:nvSpPr>
-              <p:cNvPr id="20" name="文本框 19"/>
-              <p:cNvSpPr txBox="1"/>
-              <p:nvPr/>
-            </p:nvSpPr>
-            <p:spPr>
-              <a:xfrm>
-                <a:off x="3877991" y="3758701"/>
-                <a:ext cx="694007" cy="369332"/>
-              </a:xfrm>
-              <a:prstGeom prst="rect">
-                <a:avLst/>
-              </a:prstGeom>
-              <a:noFill/>
-              <a:ln>
+              </a:rPr>
+              <a:t>神经网络</a:t>
+            </a:r>
+            <a:r>
+              <a:rPr lang="en-US" altLang="zh-CN" dirty="0" smtClean="0">
                 <a:solidFill>
-                  <a:schemeClr val="tx1"/>
+                  <a:schemeClr val="bg1">
+                    <a:lumMod val="50000"/>
+                  </a:schemeClr>
                 </a:solidFill>
-              </a:ln>
-            </p:spPr>
-            <p:txBody>
-              <a:bodyPr wrap="square" rtlCol="0">
-                <a:spAutoFit/>
-              </a:bodyPr>
-              <a:lstStyle/>
-              <a:p>
-                <a:r>
-                  <a:rPr lang="en-US" altLang="zh-CN" dirty="0" smtClean="0">
-                    <a:solidFill>
-                      <a:srgbClr val="FF0000"/>
-                    </a:solidFill>
-                  </a:rPr>
-                  <a:t>PLSA</a:t>
-                </a:r>
-                <a:endParaRPr lang="zh-CN" altLang="en-US" dirty="0">
-                  <a:solidFill>
-                    <a:srgbClr val="FF0000"/>
-                  </a:solidFill>
-                </a:endParaRPr>
-              </a:p>
-            </p:txBody>
-          </p:sp>
-          <p:sp>
-            <p:nvSpPr>
-              <p:cNvPr id="21" name="文本框 20"/>
-              <p:cNvSpPr txBox="1"/>
-              <p:nvPr/>
-            </p:nvSpPr>
-            <p:spPr>
-              <a:xfrm>
-                <a:off x="3877991" y="4637326"/>
-                <a:ext cx="694007" cy="369332"/>
-              </a:xfrm>
-              <a:prstGeom prst="rect">
-                <a:avLst/>
-              </a:prstGeom>
-              <a:noFill/>
-              <a:ln>
+              </a:rPr>
+              <a:t> </a:t>
+            </a:r>
+            <a:endParaRPr lang="zh-CN" altLang="en-US" dirty="0">
+              <a:solidFill>
+                <a:schemeClr val="bg1">
+                  <a:lumMod val="50000"/>
+                </a:schemeClr>
+              </a:solidFill>
+            </a:endParaRPr>
+          </a:p>
+        </p:txBody>
+      </p:sp>
+      <p:sp>
+        <p:nvSpPr>
+          <p:cNvPr id="95" name="矩形 94"/>
+          <p:cNvSpPr/>
+          <p:nvPr/>
+        </p:nvSpPr>
+        <p:spPr>
+          <a:xfrm>
+            <a:off x="4643019" y="2315779"/>
+            <a:ext cx="1476686" cy="369332"/>
+          </a:xfrm>
+          <a:prstGeom prst="rect">
+            <a:avLst/>
+          </a:prstGeom>
+        </p:spPr>
+        <p:txBody>
+          <a:bodyPr wrap="none">
+            <a:spAutoFit/>
+          </a:bodyPr>
+          <a:lstStyle/>
+          <a:p>
+            <a:pPr algn="ctr"/>
+            <a:r>
+              <a:rPr lang="zh-CN" altLang="en-US" dirty="0" smtClean="0">
                 <a:solidFill>
-                  <a:schemeClr val="tx1"/>
+                  <a:schemeClr val="bg1">
+                    <a:lumMod val="50000"/>
+                  </a:schemeClr>
                 </a:solidFill>
-              </a:ln>
-            </p:spPr>
-            <p:txBody>
-              <a:bodyPr wrap="square" rtlCol="0">
-                <a:spAutoFit/>
-              </a:bodyPr>
-              <a:lstStyle/>
-              <a:p>
-                <a:r>
-                  <a:rPr lang="en-US" altLang="zh-CN" dirty="0" smtClean="0">
-                    <a:solidFill>
-                      <a:srgbClr val="FF0000"/>
-                    </a:solidFill>
-                  </a:rPr>
-                  <a:t>LDA</a:t>
-                </a:r>
-                <a:endParaRPr lang="zh-CN" altLang="en-US" dirty="0">
-                  <a:solidFill>
-                    <a:srgbClr val="FF0000"/>
-                  </a:solidFill>
-                </a:endParaRPr>
-              </a:p>
-            </p:txBody>
-          </p:sp>
-          <p:cxnSp>
-            <p:nvCxnSpPr>
-              <p:cNvPr id="28" name="直接箭头连接符 27"/>
-              <p:cNvCxnSpPr>
-                <a:stCxn id="14" idx="2"/>
-                <a:endCxn id="19" idx="0"/>
-              </p:cNvCxnSpPr>
-              <p:nvPr/>
-            </p:nvCxnSpPr>
-            <p:spPr>
-              <a:xfrm>
-                <a:off x="4220308" y="2337377"/>
-                <a:ext cx="4686" cy="525996"/>
-              </a:xfrm>
-              <a:prstGeom prst="straightConnector1">
-                <a:avLst/>
-              </a:prstGeom>
-              <a:ln>
+              </a:rPr>
+              <a:t>无监督</a:t>
+            </a:r>
+            <a:r>
+              <a:rPr lang="en-US" altLang="zh-CN" dirty="0" smtClean="0">
                 <a:solidFill>
-                  <a:schemeClr val="tx1"/>
+                  <a:schemeClr val="bg1">
+                    <a:lumMod val="50000"/>
+                  </a:schemeClr>
                 </a:solidFill>
-                <a:tailEnd type="triangle"/>
-              </a:ln>
-            </p:spPr>
-            <p:style>
-              <a:lnRef idx="1">
-                <a:schemeClr val="accent1"/>
-              </a:lnRef>
-              <a:fillRef idx="0">
-                <a:schemeClr val="accent1"/>
-              </a:fillRef>
-              <a:effectRef idx="0">
-                <a:schemeClr val="accent1"/>
-              </a:effectRef>
-              <a:fontRef idx="minor">
-                <a:schemeClr val="tx1"/>
-              </a:fontRef>
-            </p:style>
-          </p:cxnSp>
-          <p:cxnSp>
-            <p:nvCxnSpPr>
-              <p:cNvPr id="30" name="直接箭头连接符 29"/>
-              <p:cNvCxnSpPr>
-                <a:stCxn id="19" idx="2"/>
-                <a:endCxn id="20" idx="0"/>
-              </p:cNvCxnSpPr>
-              <p:nvPr/>
-            </p:nvCxnSpPr>
-            <p:spPr>
-              <a:xfrm>
-                <a:off x="4224994" y="3232705"/>
-                <a:ext cx="1" cy="525996"/>
-              </a:xfrm>
-              <a:prstGeom prst="straightConnector1">
-                <a:avLst/>
-              </a:prstGeom>
-              <a:ln>
+              </a:rPr>
+              <a:t>/</a:t>
+            </a:r>
+            <a:r>
+              <a:rPr lang="zh-CN" altLang="en-US" dirty="0" smtClean="0">
                 <a:solidFill>
-                  <a:schemeClr val="tx1"/>
+                  <a:schemeClr val="bg1">
+                    <a:lumMod val="50000"/>
+                  </a:schemeClr>
                 </a:solidFill>
-                <a:tailEnd type="triangle"/>
-              </a:ln>
-            </p:spPr>
-            <p:style>
-              <a:lnRef idx="1">
-                <a:schemeClr val="accent1"/>
-              </a:lnRef>
-              <a:fillRef idx="0">
-                <a:schemeClr val="accent1"/>
-              </a:fillRef>
-              <a:effectRef idx="0">
-                <a:schemeClr val="accent1"/>
-              </a:effectRef>
-              <a:fontRef idx="minor">
-                <a:schemeClr val="tx1"/>
-              </a:fontRef>
-            </p:style>
-          </p:cxnSp>
-          <p:cxnSp>
-            <p:nvCxnSpPr>
-              <p:cNvPr id="32" name="直接箭头连接符 31"/>
-              <p:cNvCxnSpPr>
-                <a:stCxn id="20" idx="2"/>
-                <a:endCxn id="21" idx="0"/>
-              </p:cNvCxnSpPr>
-              <p:nvPr/>
-            </p:nvCxnSpPr>
-            <p:spPr>
-              <a:xfrm>
-                <a:off x="4224995" y="4128033"/>
-                <a:ext cx="0" cy="509293"/>
-              </a:xfrm>
-              <a:prstGeom prst="straightConnector1">
-                <a:avLst/>
-              </a:prstGeom>
-              <a:ln>
+              </a:rPr>
+              <a:t>聚类</a:t>
+            </a:r>
+            <a:r>
+              <a:rPr lang="en-US" altLang="zh-CN" dirty="0" smtClean="0">
                 <a:solidFill>
-                  <a:schemeClr val="tx1"/>
+                  <a:schemeClr val="bg1">
+                    <a:lumMod val="50000"/>
+                  </a:schemeClr>
                 </a:solidFill>
-                <a:tailEnd type="triangle"/>
-              </a:ln>
-            </p:spPr>
-            <p:style>
-              <a:lnRef idx="1">
-                <a:schemeClr val="accent1"/>
-              </a:lnRef>
-              <a:fillRef idx="0">
-                <a:schemeClr val="accent1"/>
-              </a:fillRef>
-              <a:effectRef idx="0">
-                <a:schemeClr val="accent1"/>
-              </a:effectRef>
-              <a:fontRef idx="minor">
-                <a:schemeClr val="tx1"/>
-              </a:fontRef>
-            </p:style>
-          </p:cxnSp>
-          <p:sp>
-            <p:nvSpPr>
-              <p:cNvPr id="40" name="椭圆 39"/>
-              <p:cNvSpPr/>
-              <p:nvPr/>
-            </p:nvSpPr>
-            <p:spPr>
-              <a:xfrm>
-                <a:off x="5634111" y="1202891"/>
-                <a:ext cx="1594340" cy="393896"/>
-              </a:xfrm>
-              <a:prstGeom prst="ellipse">
-                <a:avLst/>
-              </a:prstGeom>
-              <a:noFill/>
-              <a:ln>
-                <a:noFill/>
-              </a:ln>
-            </p:spPr>
-            <p:style>
-              <a:lnRef idx="2">
-                <a:schemeClr val="accent3">
-                  <a:shade val="50000"/>
+              </a:rPr>
+              <a:t> </a:t>
+            </a:r>
+            <a:endParaRPr lang="zh-CN" altLang="en-US" dirty="0">
+              <a:solidFill>
+                <a:schemeClr val="bg1">
+                  <a:lumMod val="50000"/>
                 </a:schemeClr>
-              </a:lnRef>
-              <a:fillRef idx="1">
-                <a:schemeClr val="accent3"/>
-              </a:fillRef>
-              <a:effectRef idx="0">
-                <a:schemeClr val="accent3"/>
-              </a:effectRef>
-              <a:fontRef idx="minor">
-                <a:schemeClr val="lt1"/>
-              </a:fontRef>
-            </p:style>
-            <p:txBody>
-              <a:bodyPr rtlCol="0" anchor="ctr"/>
-              <a:lstStyle/>
-              <a:p>
-                <a:pPr algn="ctr"/>
-                <a:r>
-                  <a:rPr lang="zh-CN" altLang="en-US" dirty="0">
-                    <a:solidFill>
-                      <a:schemeClr val="bg1">
-                        <a:lumMod val="50000"/>
-                      </a:schemeClr>
-                    </a:solidFill>
-                  </a:rPr>
-                  <a:t>字面距离</a:t>
-                </a:r>
-                <a:r>
-                  <a:rPr lang="en-US" altLang="zh-CN" dirty="0" smtClean="0">
-                    <a:solidFill>
-                      <a:schemeClr val="bg1">
-                        <a:lumMod val="50000"/>
-                      </a:schemeClr>
-                    </a:solidFill>
-                  </a:rPr>
-                  <a:t> </a:t>
-                </a:r>
-                <a:endParaRPr lang="zh-CN" altLang="en-US" dirty="0">
-                  <a:solidFill>
-                    <a:schemeClr val="bg1">
-                      <a:lumMod val="50000"/>
-                    </a:schemeClr>
-                  </a:solidFill>
-                </a:endParaRPr>
-              </a:p>
-            </p:txBody>
-          </p:sp>
-          <p:sp>
-            <p:nvSpPr>
-              <p:cNvPr id="41" name="椭圆 40"/>
-              <p:cNvSpPr/>
-              <p:nvPr/>
-            </p:nvSpPr>
-            <p:spPr>
-              <a:xfrm>
-                <a:off x="3450103" y="1202891"/>
-                <a:ext cx="1617784" cy="393896"/>
-              </a:xfrm>
-              <a:prstGeom prst="ellipse">
-                <a:avLst/>
-              </a:prstGeom>
-              <a:noFill/>
-              <a:ln>
-                <a:noFill/>
-              </a:ln>
-            </p:spPr>
-            <p:style>
-              <a:lnRef idx="2">
-                <a:schemeClr val="accent3">
-                  <a:shade val="50000"/>
-                </a:schemeClr>
-              </a:lnRef>
-              <a:fillRef idx="1">
-                <a:schemeClr val="accent3"/>
-              </a:fillRef>
-              <a:effectRef idx="0">
-                <a:schemeClr val="accent3"/>
-              </a:effectRef>
-              <a:fontRef idx="minor">
-                <a:schemeClr val="lt1"/>
-              </a:fontRef>
-            </p:style>
-            <p:txBody>
-              <a:bodyPr rtlCol="0" anchor="ctr"/>
-              <a:lstStyle/>
-              <a:p>
-                <a:pPr algn="ctr"/>
-                <a:r>
-                  <a:rPr lang="zh-CN" altLang="en-US" dirty="0" smtClean="0">
-                    <a:solidFill>
-                      <a:schemeClr val="bg1">
-                        <a:lumMod val="50000"/>
-                      </a:schemeClr>
-                    </a:solidFill>
-                  </a:rPr>
-                  <a:t>语义分析</a:t>
-                </a:r>
-                <a:r>
-                  <a:rPr lang="en-US" altLang="zh-CN" dirty="0" smtClean="0">
-                    <a:solidFill>
-                      <a:schemeClr val="bg1">
-                        <a:lumMod val="50000"/>
-                      </a:schemeClr>
-                    </a:solidFill>
-                  </a:rPr>
-                  <a:t> </a:t>
-                </a:r>
-                <a:endParaRPr lang="zh-CN" altLang="en-US" dirty="0">
-                  <a:solidFill>
-                    <a:schemeClr val="bg1">
-                      <a:lumMod val="50000"/>
-                    </a:schemeClr>
-                  </a:solidFill>
-                </a:endParaRPr>
-              </a:p>
-            </p:txBody>
-          </p:sp>
-          <p:sp>
-            <p:nvSpPr>
-              <p:cNvPr id="42" name="椭圆 41"/>
-              <p:cNvSpPr/>
-              <p:nvPr/>
-            </p:nvSpPr>
-            <p:spPr>
-              <a:xfrm>
-                <a:off x="3976464" y="2448843"/>
-                <a:ext cx="1645920" cy="393896"/>
-              </a:xfrm>
-              <a:prstGeom prst="ellipse">
-                <a:avLst/>
-              </a:prstGeom>
-              <a:noFill/>
-              <a:ln>
-                <a:noFill/>
-              </a:ln>
-            </p:spPr>
-            <p:style>
-              <a:lnRef idx="2">
-                <a:schemeClr val="accent3">
-                  <a:shade val="50000"/>
-                </a:schemeClr>
-              </a:lnRef>
-              <a:fillRef idx="1">
-                <a:schemeClr val="accent3"/>
-              </a:fillRef>
-              <a:effectRef idx="0">
-                <a:schemeClr val="accent3"/>
-              </a:effectRef>
-              <a:fontRef idx="minor">
-                <a:schemeClr val="lt1"/>
-              </a:fontRef>
-            </p:style>
-            <p:txBody>
-              <a:bodyPr rtlCol="0" anchor="ctr"/>
-              <a:lstStyle/>
-              <a:p>
-                <a:pPr algn="ctr"/>
-                <a:r>
-                  <a:rPr lang="zh-CN" altLang="en-US" dirty="0" smtClean="0">
-                    <a:solidFill>
-                      <a:schemeClr val="bg1">
-                        <a:lumMod val="50000"/>
-                      </a:schemeClr>
-                    </a:solidFill>
-                  </a:rPr>
-                  <a:t>主题模型</a:t>
-                </a:r>
-                <a:r>
-                  <a:rPr lang="en-US" altLang="zh-CN" dirty="0" smtClean="0">
-                    <a:solidFill>
-                      <a:schemeClr val="bg1">
-                        <a:lumMod val="50000"/>
-                      </a:schemeClr>
-                    </a:solidFill>
-                  </a:rPr>
-                  <a:t> </a:t>
-                </a:r>
-                <a:endParaRPr lang="zh-CN" altLang="en-US" dirty="0">
-                  <a:solidFill>
-                    <a:schemeClr val="bg1">
-                      <a:lumMod val="50000"/>
-                    </a:schemeClr>
-                  </a:solidFill>
-                </a:endParaRPr>
-              </a:p>
-            </p:txBody>
-          </p:sp>
-          <p:sp>
-            <p:nvSpPr>
-              <p:cNvPr id="43" name="椭圆 42"/>
-              <p:cNvSpPr/>
-              <p:nvPr/>
-            </p:nvSpPr>
-            <p:spPr>
-              <a:xfrm>
-                <a:off x="3962395" y="3323537"/>
-                <a:ext cx="1645920" cy="393896"/>
-              </a:xfrm>
-              <a:prstGeom prst="ellipse">
-                <a:avLst/>
-              </a:prstGeom>
-              <a:noFill/>
-              <a:ln>
-                <a:noFill/>
-              </a:ln>
-            </p:spPr>
-            <p:style>
-              <a:lnRef idx="2">
-                <a:schemeClr val="accent3">
-                  <a:shade val="50000"/>
-                </a:schemeClr>
-              </a:lnRef>
-              <a:fillRef idx="1">
-                <a:schemeClr val="accent3"/>
-              </a:fillRef>
-              <a:effectRef idx="0">
-                <a:schemeClr val="accent3"/>
-              </a:effectRef>
-              <a:fontRef idx="minor">
-                <a:schemeClr val="lt1"/>
-              </a:fontRef>
-            </p:style>
-            <p:txBody>
-              <a:bodyPr rtlCol="0" anchor="ctr"/>
-              <a:lstStyle/>
-              <a:p>
-                <a:pPr algn="ctr"/>
-                <a:r>
-                  <a:rPr lang="zh-CN" altLang="en-US" dirty="0" smtClean="0">
-                    <a:solidFill>
-                      <a:schemeClr val="bg1">
-                        <a:lumMod val="50000"/>
-                      </a:schemeClr>
-                    </a:solidFill>
-                  </a:rPr>
-                  <a:t>概率化</a:t>
-                </a:r>
-                <a:r>
-                  <a:rPr lang="en-US" altLang="zh-CN" dirty="0" smtClean="0">
-                    <a:solidFill>
-                      <a:schemeClr val="bg1">
-                        <a:lumMod val="50000"/>
-                      </a:schemeClr>
-                    </a:solidFill>
-                  </a:rPr>
-                  <a:t> </a:t>
-                </a:r>
-                <a:endParaRPr lang="zh-CN" altLang="en-US" dirty="0">
-                  <a:solidFill>
-                    <a:schemeClr val="bg1">
-                      <a:lumMod val="50000"/>
-                    </a:schemeClr>
-                  </a:solidFill>
-                </a:endParaRPr>
-              </a:p>
-            </p:txBody>
-          </p:sp>
-          <p:sp>
-            <p:nvSpPr>
-              <p:cNvPr id="44" name="椭圆 43"/>
-              <p:cNvSpPr/>
-              <p:nvPr/>
-            </p:nvSpPr>
-            <p:spPr>
-              <a:xfrm>
-                <a:off x="3934259" y="4152581"/>
-                <a:ext cx="1645920" cy="393896"/>
-              </a:xfrm>
-              <a:prstGeom prst="ellipse">
-                <a:avLst/>
-              </a:prstGeom>
-              <a:noFill/>
-              <a:ln>
-                <a:noFill/>
-              </a:ln>
-            </p:spPr>
-            <p:style>
-              <a:lnRef idx="2">
-                <a:schemeClr val="accent3">
-                  <a:shade val="50000"/>
-                </a:schemeClr>
-              </a:lnRef>
-              <a:fillRef idx="1">
-                <a:schemeClr val="accent3"/>
-              </a:fillRef>
-              <a:effectRef idx="0">
-                <a:schemeClr val="accent3"/>
-              </a:effectRef>
-              <a:fontRef idx="minor">
-                <a:schemeClr val="lt1"/>
-              </a:fontRef>
-            </p:style>
-            <p:txBody>
-              <a:bodyPr rtlCol="0" anchor="ctr"/>
-              <a:lstStyle/>
-              <a:p>
-                <a:pPr algn="ctr"/>
-                <a:r>
-                  <a:rPr lang="zh-CN" altLang="en-US" dirty="0">
-                    <a:solidFill>
-                      <a:schemeClr val="bg1">
-                        <a:lumMod val="50000"/>
-                      </a:schemeClr>
-                    </a:solidFill>
-                  </a:rPr>
-                  <a:t>贝叶斯</a:t>
-                </a:r>
-                <a:r>
-                  <a:rPr lang="en-US" altLang="zh-CN" dirty="0" smtClean="0">
-                    <a:solidFill>
-                      <a:schemeClr val="bg1">
-                        <a:lumMod val="50000"/>
-                      </a:schemeClr>
-                    </a:solidFill>
-                  </a:rPr>
-                  <a:t> </a:t>
-                </a:r>
-                <a:endParaRPr lang="zh-CN" altLang="en-US" dirty="0">
-                  <a:solidFill>
-                    <a:schemeClr val="bg1">
-                      <a:lumMod val="50000"/>
-                    </a:schemeClr>
-                  </a:solidFill>
-                </a:endParaRPr>
-              </a:p>
-            </p:txBody>
-          </p:sp>
-        </p:grpSp>
-        <p:sp>
-          <p:nvSpPr>
-            <p:cNvPr id="56" name="文本框 55"/>
-            <p:cNvSpPr txBox="1"/>
-            <p:nvPr/>
-          </p:nvSpPr>
-          <p:spPr>
-            <a:xfrm>
-              <a:off x="5941254" y="4206240"/>
-              <a:ext cx="1148863" cy="369332"/>
-            </a:xfrm>
-            <a:prstGeom prst="rect">
-              <a:avLst/>
-            </a:prstGeom>
-            <a:noFill/>
-          </p:spPr>
-          <p:txBody>
-            <a:bodyPr wrap="square" rtlCol="0">
-              <a:spAutoFit/>
-            </a:bodyPr>
-            <a:lstStyle/>
-            <a:p>
-              <a:r>
-                <a:rPr lang="zh-CN" altLang="en-US" dirty="0" smtClean="0"/>
-                <a:t>关系分析</a:t>
-              </a:r>
-              <a:endParaRPr lang="zh-CN" altLang="en-US" dirty="0"/>
-            </a:p>
-          </p:txBody>
-        </p:sp>
-      </p:grpSp>
+              </a:solidFill>
+            </a:endParaRPr>
+          </a:p>
+        </p:txBody>
+      </p:sp>
     </p:spTree>
     <p:extLst>
       <p:ext uri="{BB962C8B-B14F-4D97-AF65-F5344CB8AC3E}">
